--- a/lineBot氣象小助理.pptx
+++ b/lineBot氣象小助理.pptx
@@ -113,6 +113,11 @@
       </a:defRPr>
     </a:lvl9pPr>
   </p:defaultTextStyle>
+  <p:extLst>
+    <p:ext uri="{EFAFB233-063F-42B5-8137-9DF3F51BA10A}">
+      <p15:sldGuideLst xmlns:p15="http://schemas.microsoft.com/office/powerpoint/2012/main"/>
+    </p:ext>
+  </p:extLst>
 </p:presentation>
 </file>
 
@@ -838,7 +843,7 @@
           <a:p>
             <a:fld id="{4CECAC31-0A36-4352-BFA3-9832F400A7E2}" type="datetimeFigureOut">
               <a:rPr lang="zh-TW" altLang="en-US" smtClean="0"/>
-              <a:t>2024/7/19</a:t>
+              <a:t>2024/7/20</a:t>
             </a:fld>
             <a:endParaRPr lang="zh-TW" altLang="en-US"/>
           </a:p>
@@ -1089,7 +1094,7 @@
           <a:p>
             <a:fld id="{4CECAC31-0A36-4352-BFA3-9832F400A7E2}" type="datetimeFigureOut">
               <a:rPr lang="zh-TW" altLang="en-US" smtClean="0"/>
-              <a:t>2024/7/19</a:t>
+              <a:t>2024/7/20</a:t>
             </a:fld>
             <a:endParaRPr lang="zh-TW" altLang="en-US"/>
           </a:p>
@@ -1403,7 +1408,7 @@
           <a:p>
             <a:fld id="{4CECAC31-0A36-4352-BFA3-9832F400A7E2}" type="datetimeFigureOut">
               <a:rPr lang="zh-TW" altLang="en-US" smtClean="0"/>
-              <a:t>2024/7/19</a:t>
+              <a:t>2024/7/20</a:t>
             </a:fld>
             <a:endParaRPr lang="zh-TW" altLang="en-US"/>
           </a:p>
@@ -1744,7 +1749,7 @@
           <a:p>
             <a:fld id="{4CECAC31-0A36-4352-BFA3-9832F400A7E2}" type="datetimeFigureOut">
               <a:rPr lang="zh-TW" altLang="en-US" smtClean="0"/>
-              <a:t>2024/7/19</a:t>
+              <a:t>2024/7/20</a:t>
             </a:fld>
             <a:endParaRPr lang="zh-TW" altLang="en-US"/>
           </a:p>
@@ -2058,7 +2063,7 @@
           <a:p>
             <a:fld id="{4CECAC31-0A36-4352-BFA3-9832F400A7E2}" type="datetimeFigureOut">
               <a:rPr lang="zh-TW" altLang="en-US" smtClean="0"/>
-              <a:t>2024/7/19</a:t>
+              <a:t>2024/7/20</a:t>
             </a:fld>
             <a:endParaRPr lang="zh-TW" altLang="en-US"/>
           </a:p>
@@ -2451,7 +2456,7 @@
           <a:p>
             <a:fld id="{4CECAC31-0A36-4352-BFA3-9832F400A7E2}" type="datetimeFigureOut">
               <a:rPr lang="zh-TW" altLang="en-US" smtClean="0"/>
-              <a:t>2024/7/19</a:t>
+              <a:t>2024/7/20</a:t>
             </a:fld>
             <a:endParaRPr lang="zh-TW" altLang="en-US"/>
           </a:p>
@@ -2621,7 +2626,7 @@
           <a:p>
             <a:fld id="{4CECAC31-0A36-4352-BFA3-9832F400A7E2}" type="datetimeFigureOut">
               <a:rPr lang="zh-TW" altLang="en-US" smtClean="0"/>
-              <a:t>2024/7/19</a:t>
+              <a:t>2024/7/20</a:t>
             </a:fld>
             <a:endParaRPr lang="zh-TW" altLang="en-US"/>
           </a:p>
@@ -2801,7 +2806,7 @@
           <a:p>
             <a:fld id="{4CECAC31-0A36-4352-BFA3-9832F400A7E2}" type="datetimeFigureOut">
               <a:rPr lang="zh-TW" altLang="en-US" smtClean="0"/>
-              <a:t>2024/7/19</a:t>
+              <a:t>2024/7/20</a:t>
             </a:fld>
             <a:endParaRPr lang="zh-TW" altLang="en-US"/>
           </a:p>
@@ -2977,7 +2982,7 @@
           <a:p>
             <a:fld id="{4CECAC31-0A36-4352-BFA3-9832F400A7E2}" type="datetimeFigureOut">
               <a:rPr lang="zh-TW" altLang="en-US" smtClean="0"/>
-              <a:t>2024/7/19</a:t>
+              <a:t>2024/7/20</a:t>
             </a:fld>
             <a:endParaRPr lang="zh-TW" altLang="en-US"/>
           </a:p>
@@ -3224,7 +3229,7 @@
           <a:p>
             <a:fld id="{4CECAC31-0A36-4352-BFA3-9832F400A7E2}" type="datetimeFigureOut">
               <a:rPr lang="zh-TW" altLang="en-US" smtClean="0"/>
-              <a:t>2024/7/19</a:t>
+              <a:t>2024/7/20</a:t>
             </a:fld>
             <a:endParaRPr lang="zh-TW" altLang="en-US"/>
           </a:p>
@@ -3456,7 +3461,7 @@
           <a:p>
             <a:fld id="{4CECAC31-0A36-4352-BFA3-9832F400A7E2}" type="datetimeFigureOut">
               <a:rPr lang="zh-TW" altLang="en-US" smtClean="0"/>
-              <a:t>2024/7/19</a:t>
+              <a:t>2024/7/20</a:t>
             </a:fld>
             <a:endParaRPr lang="zh-TW" altLang="en-US"/>
           </a:p>
@@ -3830,7 +3835,7 @@
           <a:p>
             <a:fld id="{4CECAC31-0A36-4352-BFA3-9832F400A7E2}" type="datetimeFigureOut">
               <a:rPr lang="zh-TW" altLang="en-US" smtClean="0"/>
-              <a:t>2024/7/19</a:t>
+              <a:t>2024/7/20</a:t>
             </a:fld>
             <a:endParaRPr lang="zh-TW" altLang="en-US"/>
           </a:p>
@@ -3953,7 +3958,7 @@
           <a:p>
             <a:fld id="{4CECAC31-0A36-4352-BFA3-9832F400A7E2}" type="datetimeFigureOut">
               <a:rPr lang="zh-TW" altLang="en-US" smtClean="0"/>
-              <a:t>2024/7/19</a:t>
+              <a:t>2024/7/20</a:t>
             </a:fld>
             <a:endParaRPr lang="zh-TW" altLang="en-US"/>
           </a:p>
@@ -4048,7 +4053,7 @@
           <a:p>
             <a:fld id="{4CECAC31-0A36-4352-BFA3-9832F400A7E2}" type="datetimeFigureOut">
               <a:rPr lang="zh-TW" altLang="en-US" smtClean="0"/>
-              <a:t>2024/7/19</a:t>
+              <a:t>2024/7/20</a:t>
             </a:fld>
             <a:endParaRPr lang="zh-TW" altLang="en-US"/>
           </a:p>
@@ -4303,7 +4308,7 @@
           <a:p>
             <a:fld id="{4CECAC31-0A36-4352-BFA3-9832F400A7E2}" type="datetimeFigureOut">
               <a:rPr lang="zh-TW" altLang="en-US" smtClean="0"/>
-              <a:t>2024/7/19</a:t>
+              <a:t>2024/7/20</a:t>
             </a:fld>
             <a:endParaRPr lang="zh-TW" altLang="en-US"/>
           </a:p>
@@ -4566,7 +4571,7 @@
           <a:p>
             <a:fld id="{4CECAC31-0A36-4352-BFA3-9832F400A7E2}" type="datetimeFigureOut">
               <a:rPr lang="zh-TW" altLang="en-US" smtClean="0"/>
-              <a:t>2024/7/19</a:t>
+              <a:t>2024/7/20</a:t>
             </a:fld>
             <a:endParaRPr lang="zh-TW" altLang="en-US"/>
           </a:p>
@@ -5309,7 +5314,7 @@
           <a:p>
             <a:fld id="{4CECAC31-0A36-4352-BFA3-9832F400A7E2}" type="datetimeFigureOut">
               <a:rPr lang="zh-TW" altLang="en-US" smtClean="0"/>
-              <a:t>2024/7/19</a:t>
+              <a:t>2024/7/20</a:t>
             </a:fld>
             <a:endParaRPr lang="zh-TW" altLang="en-US"/>
           </a:p>
@@ -5889,11 +5894,13 @@
         </p:nvSpPr>
         <p:spPr/>
         <p:txBody>
-          <a:bodyPr/>
-          <a:lstStyle/>
-          <a:p>
-            <a:r>
-              <a:rPr lang="zh-TW" altLang="en-US" dirty="0">
+          <a:bodyPr>
+            <a:normAutofit/>
+          </a:bodyPr>
+          <a:lstStyle/>
+          <a:p>
+            <a:r>
+              <a:rPr lang="zh-TW" altLang="en-US" sz="2000" dirty="0">
                 <a:latin typeface="標楷體" panose="03000509000000000000" pitchFamily="65" charset="-120"/>
                 <a:ea typeface="標楷體" panose="03000509000000000000" pitchFamily="65" charset="-120"/>
               </a:rPr>
@@ -6103,15 +6110,6 @@
               <a:latin typeface="標楷體" panose="03000509000000000000" pitchFamily="65" charset="-120"/>
               <a:ea typeface="標楷體" panose="03000509000000000000" pitchFamily="65" charset="-120"/>
             </a:endParaRPr>
-          </a:p>
-          <a:p>
-            <a:r>
-              <a:rPr lang="zh-TW" altLang="en-US" sz="2000" dirty="0">
-                <a:latin typeface="標楷體" panose="03000509000000000000" pitchFamily="65" charset="-120"/>
-                <a:ea typeface="標楷體" panose="03000509000000000000" pitchFamily="65" charset="-120"/>
-              </a:rPr>
-              <a:t>參考</a:t>
-            </a:r>
           </a:p>
         </p:txBody>
       </p:sp>
@@ -6728,91 +6726,331 @@
             <p:ph idx="1"/>
           </p:nvPr>
         </p:nvSpPr>
-        <p:spPr/>
-        <p:txBody>
-          <a:bodyPr/>
-          <a:lstStyle/>
-          <a:p>
-            <a:r>
-              <a:rPr lang="zh-TW" altLang="en-US" dirty="0">
+        <p:spPr>
+          <a:xfrm>
+            <a:off x="677334" y="2160589"/>
+            <a:ext cx="8702640" cy="1268411"/>
+          </a:xfrm>
+        </p:spPr>
+        <p:txBody>
+          <a:bodyPr>
+            <a:normAutofit/>
+          </a:bodyPr>
+          <a:lstStyle/>
+          <a:p>
+            <a:r>
+              <a:rPr lang="zh-TW" altLang="en-US" sz="2000" dirty="0">
                 <a:latin typeface="標楷體" panose="03000509000000000000" pitchFamily="65" charset="-120"/>
                 <a:ea typeface="標楷體" panose="03000509000000000000" pitchFamily="65" charset="-120"/>
               </a:rPr>
               <a:t>透過氣象資料開放平台的</a:t>
             </a:r>
             <a:r>
-              <a:rPr lang="en-US" altLang="zh-TW" dirty="0" err="1">
+              <a:rPr lang="en-US" altLang="zh-TW" sz="2000" dirty="0" err="1">
                 <a:latin typeface="標楷體" panose="03000509000000000000" pitchFamily="65" charset="-120"/>
                 <a:ea typeface="標楷體" panose="03000509000000000000" pitchFamily="65" charset="-120"/>
               </a:rPr>
               <a:t>json</a:t>
             </a:r>
             <a:r>
-              <a:rPr lang="zh-TW" altLang="en-US" dirty="0">
+              <a:rPr lang="zh-TW" altLang="en-US" sz="2000" dirty="0">
                 <a:latin typeface="標楷體" panose="03000509000000000000" pitchFamily="65" charset="-120"/>
                 <a:ea typeface="標楷體" panose="03000509000000000000" pitchFamily="65" charset="-120"/>
               </a:rPr>
               <a:t>爬取要的資料、開啟</a:t>
             </a:r>
             <a:r>
-              <a:rPr lang="en-US" altLang="zh-TW" dirty="0" err="1">
+              <a:rPr lang="en-US" altLang="zh-TW" sz="2000" dirty="0" err="1">
                 <a:latin typeface="標楷體" panose="03000509000000000000" pitchFamily="65" charset="-120"/>
                 <a:ea typeface="標楷體" panose="03000509000000000000" pitchFamily="65" charset="-120"/>
               </a:rPr>
               <a:t>ngrok</a:t>
             </a:r>
             <a:r>
-              <a:rPr lang="zh-TW" altLang="en-US" dirty="0">
+              <a:rPr lang="zh-TW" altLang="en-US" sz="2000" dirty="0">
                 <a:latin typeface="標楷體" panose="03000509000000000000" pitchFamily="65" charset="-120"/>
                 <a:ea typeface="標楷體" panose="03000509000000000000" pitchFamily="65" charset="-120"/>
               </a:rPr>
               <a:t>取得網址、授權碼貼在</a:t>
             </a:r>
             <a:r>
-              <a:rPr lang="en-US" altLang="zh-TW" dirty="0">
+              <a:rPr lang="en-US" altLang="zh-TW" sz="2000" dirty="0">
                 <a:latin typeface="標楷體" panose="03000509000000000000" pitchFamily="65" charset="-120"/>
                 <a:ea typeface="標楷體" panose="03000509000000000000" pitchFamily="65" charset="-120"/>
               </a:rPr>
               <a:t>code</a:t>
             </a:r>
             <a:r>
-              <a:rPr lang="zh-TW" altLang="en-US" dirty="0">
+              <a:rPr lang="zh-TW" altLang="en-US" sz="2000" dirty="0">
                 <a:latin typeface="標楷體" panose="03000509000000000000" pitchFamily="65" charset="-120"/>
                 <a:ea typeface="標楷體" panose="03000509000000000000" pitchFamily="65" charset="-120"/>
               </a:rPr>
               <a:t>上面及</a:t>
             </a:r>
             <a:r>
-              <a:rPr lang="en-US" altLang="zh-TW" dirty="0">
+              <a:rPr lang="en-US" altLang="zh-TW" sz="2000" dirty="0">
                 <a:latin typeface="標楷體" panose="03000509000000000000" pitchFamily="65" charset="-120"/>
                 <a:ea typeface="標楷體" panose="03000509000000000000" pitchFamily="65" charset="-120"/>
               </a:rPr>
               <a:t>LINE Developer</a:t>
             </a:r>
             <a:r>
-              <a:rPr lang="zh-TW" altLang="en-US" dirty="0">
+              <a:rPr lang="zh-TW" altLang="en-US" sz="2000" dirty="0">
                 <a:latin typeface="標楷體" panose="03000509000000000000" pitchFamily="65" charset="-120"/>
                 <a:ea typeface="標楷體" panose="03000509000000000000" pitchFamily="65" charset="-120"/>
               </a:rPr>
               <a:t>的</a:t>
             </a:r>
             <a:r>
-              <a:rPr lang="en-US" altLang="zh-TW" dirty="0">
+              <a:rPr lang="en-US" altLang="zh-TW" sz="2000" dirty="0">
                 <a:latin typeface="標楷體" panose="03000509000000000000" pitchFamily="65" charset="-120"/>
                 <a:ea typeface="標楷體" panose="03000509000000000000" pitchFamily="65" charset="-120"/>
               </a:rPr>
               <a:t>key</a:t>
             </a:r>
             <a:r>
-              <a:rPr lang="zh-TW" altLang="en-US" dirty="0">
+              <a:rPr lang="zh-TW" altLang="en-US" sz="2000" dirty="0">
                 <a:latin typeface="標楷體" panose="03000509000000000000" pitchFamily="65" charset="-120"/>
                 <a:ea typeface="標楷體" panose="03000509000000000000" pitchFamily="65" charset="-120"/>
               </a:rPr>
               <a:t>作串接並能夠完整的執行。</a:t>
             </a:r>
+            <a:endParaRPr lang="en-US" altLang="zh-TW" sz="2000" dirty="0">
+              <a:latin typeface="標楷體" panose="03000509000000000000" pitchFamily="65" charset="-120"/>
+              <a:ea typeface="標楷體" panose="03000509000000000000" pitchFamily="65" charset="-120"/>
+            </a:endParaRPr>
+          </a:p>
+          <a:p>
+            <a:r>
+              <a:rPr lang="en-US" altLang="zh-TW" sz="2000" dirty="0">
+                <a:latin typeface="標楷體" panose="03000509000000000000" pitchFamily="65" charset="-120"/>
+                <a:ea typeface="標楷體" panose="03000509000000000000" pitchFamily="65" charset="-120"/>
+              </a:rPr>
+              <a:t>(</a:t>
+            </a:r>
+            <a:r>
+              <a:rPr lang="zh-TW" altLang="en-US" sz="2000" dirty="0">
+                <a:latin typeface="標楷體" panose="03000509000000000000" pitchFamily="65" charset="-120"/>
+                <a:ea typeface="標楷體" panose="03000509000000000000" pitchFamily="65" charset="-120"/>
+              </a:rPr>
+              <a:t>以下使用到的三大模組</a:t>
+            </a:r>
+            <a:r>
+              <a:rPr lang="en-US" altLang="zh-TW" sz="2000" dirty="0">
+                <a:latin typeface="標楷體" panose="03000509000000000000" pitchFamily="65" charset="-120"/>
+                <a:ea typeface="標楷體" panose="03000509000000000000" pitchFamily="65" charset="-120"/>
+              </a:rPr>
+              <a:t>)</a:t>
+            </a:r>
+          </a:p>
+          <a:p>
+            <a:endParaRPr lang="zh-TW" altLang="en-US" sz="2000" dirty="0">
+              <a:latin typeface="標楷體" panose="03000509000000000000" pitchFamily="65" charset="-120"/>
+              <a:ea typeface="標楷體" panose="03000509000000000000" pitchFamily="65" charset="-120"/>
+            </a:endParaRPr>
           </a:p>
           <a:p>
             <a:endParaRPr lang="zh-TW" altLang="en-US" dirty="0"/>
+          </a:p>
+        </p:txBody>
+      </p:sp>
+      <p:pic>
+        <p:nvPicPr>
+          <p:cNvPr id="5" name="圖片 4">
+            <a:extLst>
+              <a:ext uri="{FF2B5EF4-FFF2-40B4-BE49-F238E27FC236}">
+                <a16:creationId xmlns:a16="http://schemas.microsoft.com/office/drawing/2014/main" id="{D39CDDCE-EDBC-3C7F-09D3-479CC2CB91F5}"/>
+              </a:ext>
+            </a:extLst>
+          </p:cNvPr>
+          <p:cNvPicPr>
+            <a:picLocks noChangeAspect="1"/>
+          </p:cNvPicPr>
+          <p:nvPr/>
+        </p:nvPicPr>
+        <p:blipFill>
+          <a:blip r:embed="rId2">
+            <a:extLst>
+              <a:ext uri="{28A0092B-C50C-407E-A947-70E740481C1C}">
+                <a14:useLocalDpi xmlns:a14="http://schemas.microsoft.com/office/drawing/2010/main" val="0"/>
+              </a:ext>
+            </a:extLst>
+          </a:blip>
+          <a:stretch>
+            <a:fillRect/>
+          </a:stretch>
+        </p:blipFill>
+        <p:spPr>
+          <a:xfrm>
+            <a:off x="1050988" y="3962879"/>
+            <a:ext cx="2666667" cy="1523809"/>
+          </a:xfrm>
+          <a:prstGeom prst="rect">
+            <a:avLst/>
+          </a:prstGeom>
+        </p:spPr>
+      </p:pic>
+      <p:pic>
+        <p:nvPicPr>
+          <p:cNvPr id="9" name="圖片 8">
+            <a:extLst>
+              <a:ext uri="{FF2B5EF4-FFF2-40B4-BE49-F238E27FC236}">
+                <a16:creationId xmlns:a16="http://schemas.microsoft.com/office/drawing/2014/main" id="{3529B001-4991-5695-9B77-B98B65ED98B9}"/>
+              </a:ext>
+            </a:extLst>
+          </p:cNvPr>
+          <p:cNvPicPr>
+            <a:picLocks noChangeAspect="1"/>
+          </p:cNvPicPr>
+          <p:nvPr/>
+        </p:nvPicPr>
+        <p:blipFill>
+          <a:blip r:embed="rId3">
+            <a:extLst>
+              <a:ext uri="{28A0092B-C50C-407E-A947-70E740481C1C}">
+                <a14:useLocalDpi xmlns:a14="http://schemas.microsoft.com/office/drawing/2010/main" val="0"/>
+              </a:ext>
+            </a:extLst>
+          </a:blip>
+          <a:stretch>
+            <a:fillRect/>
+          </a:stretch>
+        </p:blipFill>
+        <p:spPr>
+          <a:xfrm>
+            <a:off x="4902565" y="3824784"/>
+            <a:ext cx="1800000" cy="1800000"/>
+          </a:xfrm>
+          <a:prstGeom prst="rect">
+            <a:avLst/>
+          </a:prstGeom>
+        </p:spPr>
+      </p:pic>
+      <p:pic>
+        <p:nvPicPr>
+          <p:cNvPr id="11" name="圖片 10">
+            <a:extLst>
+              <a:ext uri="{FF2B5EF4-FFF2-40B4-BE49-F238E27FC236}">
+                <a16:creationId xmlns:a16="http://schemas.microsoft.com/office/drawing/2014/main" id="{A3E168DD-F0D1-EF22-1A27-3D5C3C13404F}"/>
+              </a:ext>
+            </a:extLst>
+          </p:cNvPr>
+          <p:cNvPicPr>
+            <a:picLocks noChangeAspect="1"/>
+          </p:cNvPicPr>
+          <p:nvPr/>
+        </p:nvPicPr>
+        <p:blipFill>
+          <a:blip r:embed="rId4">
+            <a:extLst>
+              <a:ext uri="{28A0092B-C50C-407E-A947-70E740481C1C}">
+                <a14:useLocalDpi xmlns:a14="http://schemas.microsoft.com/office/drawing/2010/main" val="0"/>
+              </a:ext>
+            </a:extLst>
+          </a:blip>
+          <a:stretch>
+            <a:fillRect/>
+          </a:stretch>
+        </p:blipFill>
+        <p:spPr>
+          <a:xfrm>
+            <a:off x="8204899" y="3824784"/>
+            <a:ext cx="1800000" cy="1800000"/>
+          </a:xfrm>
+          <a:prstGeom prst="rect">
+            <a:avLst/>
+          </a:prstGeom>
+        </p:spPr>
+      </p:pic>
+      <p:sp>
+        <p:nvSpPr>
+          <p:cNvPr id="4" name="加號 3">
+            <a:extLst>
+              <a:ext uri="{FF2B5EF4-FFF2-40B4-BE49-F238E27FC236}">
+                <a16:creationId xmlns:a16="http://schemas.microsoft.com/office/drawing/2014/main" id="{8D260056-C44B-DCD0-99BD-1BBB3FB07ABD}"/>
+              </a:ext>
+            </a:extLst>
+          </p:cNvPr>
+          <p:cNvSpPr/>
+          <p:nvPr/>
+        </p:nvSpPr>
+        <p:spPr>
+          <a:xfrm>
+            <a:off x="3950110" y="4387431"/>
+            <a:ext cx="720000" cy="720000"/>
+          </a:xfrm>
+          <a:prstGeom prst="mathPlus">
+            <a:avLst/>
+          </a:prstGeom>
+        </p:spPr>
+        <p:style>
+          <a:lnRef idx="2">
+            <a:schemeClr val="accent1">
+              <a:shade val="15000"/>
+            </a:schemeClr>
+          </a:lnRef>
+          <a:fillRef idx="1">
+            <a:schemeClr val="accent1"/>
+          </a:fillRef>
+          <a:effectRef idx="0">
+            <a:schemeClr val="accent1"/>
+          </a:effectRef>
+          <a:fontRef idx="minor">
+            <a:schemeClr val="lt1"/>
+          </a:fontRef>
+        </p:style>
+        <p:txBody>
+          <a:bodyPr rtlCol="0" anchor="ctr"/>
+          <a:lstStyle/>
+          <a:p>
+            <a:pPr algn="ctr"/>
+            <a:endParaRPr lang="zh-TW" altLang="en-US"/>
+          </a:p>
+        </p:txBody>
+      </p:sp>
+      <p:sp>
+        <p:nvSpPr>
+          <p:cNvPr id="8" name="加號 7">
+            <a:extLst>
+              <a:ext uri="{FF2B5EF4-FFF2-40B4-BE49-F238E27FC236}">
+                <a16:creationId xmlns:a16="http://schemas.microsoft.com/office/drawing/2014/main" id="{53A765F9-F11C-5827-7D9A-C40284899D79}"/>
+              </a:ext>
+            </a:extLst>
+          </p:cNvPr>
+          <p:cNvSpPr/>
+          <p:nvPr/>
+        </p:nvSpPr>
+        <p:spPr>
+          <a:xfrm>
+            <a:off x="7093732" y="4387431"/>
+            <a:ext cx="720000" cy="720000"/>
+          </a:xfrm>
+          <a:prstGeom prst="mathPlus">
+            <a:avLst/>
+          </a:prstGeom>
+        </p:spPr>
+        <p:style>
+          <a:lnRef idx="2">
+            <a:schemeClr val="accent1">
+              <a:shade val="15000"/>
+            </a:schemeClr>
+          </a:lnRef>
+          <a:fillRef idx="1">
+            <a:schemeClr val="accent1"/>
+          </a:fillRef>
+          <a:effectRef idx="0">
+            <a:schemeClr val="accent1"/>
+          </a:effectRef>
+          <a:fontRef idx="minor">
+            <a:schemeClr val="lt1"/>
+          </a:fontRef>
+        </p:style>
+        <p:txBody>
+          <a:bodyPr rtlCol="0" anchor="ctr"/>
+          <a:lstStyle/>
+          <a:p>
+            <a:pPr algn="ctr"/>
+            <a:endParaRPr lang="zh-TW" altLang="en-US"/>
           </a:p>
         </p:txBody>
       </p:sp>
@@ -6893,41 +7131,48 @@
             <p:ph sz="half" idx="1"/>
           </p:nvPr>
         </p:nvSpPr>
-        <p:spPr/>
-        <p:txBody>
-          <a:bodyPr/>
-          <a:lstStyle/>
-          <a:p>
-            <a:r>
-              <a:rPr lang="zh-TW" altLang="en-US" dirty="0">
+        <p:spPr>
+          <a:xfrm>
+            <a:off x="677334" y="2160589"/>
+            <a:ext cx="6382227" cy="3880772"/>
+          </a:xfrm>
+        </p:spPr>
+        <p:txBody>
+          <a:bodyPr>
+            <a:normAutofit/>
+          </a:bodyPr>
+          <a:lstStyle/>
+          <a:p>
+            <a:r>
+              <a:rPr lang="zh-TW" altLang="en-US" sz="2000" dirty="0">
                 <a:latin typeface="標楷體" panose="03000509000000000000" pitchFamily="65" charset="-120"/>
                 <a:ea typeface="標楷體" panose="03000509000000000000" pitchFamily="65" charset="-120"/>
               </a:rPr>
               <a:t>手機觸控點擊</a:t>
             </a:r>
             <a:r>
-              <a:rPr lang="en-US" altLang="zh-TW" dirty="0">
+              <a:rPr lang="en-US" altLang="zh-TW" sz="2000" dirty="0">
                 <a:latin typeface="標楷體" panose="03000509000000000000" pitchFamily="65" charset="-120"/>
                 <a:ea typeface="標楷體" panose="03000509000000000000" pitchFamily="65" charset="-120"/>
               </a:rPr>
               <a:t>[</a:t>
             </a:r>
             <a:r>
-              <a:rPr lang="zh-TW" altLang="en-US" dirty="0">
+              <a:rPr lang="zh-TW" altLang="en-US" sz="2000" dirty="0">
                 <a:latin typeface="標楷體" panose="03000509000000000000" pitchFamily="65" charset="-120"/>
                 <a:ea typeface="標楷體" panose="03000509000000000000" pitchFamily="65" charset="-120"/>
               </a:rPr>
               <a:t>地震資訊</a:t>
             </a:r>
             <a:r>
-              <a:rPr lang="en-US" altLang="zh-TW" dirty="0">
+              <a:rPr lang="en-US" altLang="zh-TW" sz="2000" dirty="0">
                 <a:latin typeface="標楷體" panose="03000509000000000000" pitchFamily="65" charset="-120"/>
                 <a:ea typeface="標楷體" panose="03000509000000000000" pitchFamily="65" charset="-120"/>
               </a:rPr>
               <a:t>]</a:t>
             </a:r>
             <a:r>
-              <a:rPr lang="zh-TW" altLang="en-US" dirty="0">
+              <a:rPr lang="zh-TW" altLang="en-US" sz="2000" dirty="0">
                 <a:latin typeface="標楷體" panose="03000509000000000000" pitchFamily="65" charset="-120"/>
                 <a:ea typeface="標楷體" panose="03000509000000000000" pitchFamily="65" charset="-120"/>
               </a:rPr>
@@ -7045,41 +7290,48 @@
             <p:ph sz="half" idx="1"/>
           </p:nvPr>
         </p:nvSpPr>
-        <p:spPr/>
-        <p:txBody>
-          <a:bodyPr/>
-          <a:lstStyle/>
-          <a:p>
-            <a:r>
-              <a:rPr lang="zh-TW" altLang="en-US" dirty="0">
+        <p:spPr>
+          <a:xfrm>
+            <a:off x="677334" y="2160589"/>
+            <a:ext cx="6578872" cy="3880772"/>
+          </a:xfrm>
+        </p:spPr>
+        <p:txBody>
+          <a:bodyPr>
+            <a:normAutofit/>
+          </a:bodyPr>
+          <a:lstStyle/>
+          <a:p>
+            <a:r>
+              <a:rPr lang="zh-TW" altLang="en-US" sz="2000" dirty="0">
                 <a:latin typeface="標楷體" panose="03000509000000000000" pitchFamily="65" charset="-120"/>
                 <a:ea typeface="標楷體" panose="03000509000000000000" pitchFamily="65" charset="-120"/>
               </a:rPr>
               <a:t>手機觸控點擊</a:t>
             </a:r>
             <a:r>
-              <a:rPr lang="en-US" altLang="zh-TW" dirty="0">
+              <a:rPr lang="en-US" altLang="zh-TW" sz="2000" dirty="0">
                 <a:latin typeface="標楷體" panose="03000509000000000000" pitchFamily="65" charset="-120"/>
                 <a:ea typeface="標楷體" panose="03000509000000000000" pitchFamily="65" charset="-120"/>
               </a:rPr>
               <a:t>[</a:t>
             </a:r>
             <a:r>
-              <a:rPr lang="zh-TW" altLang="en-US" dirty="0">
+              <a:rPr lang="zh-TW" altLang="en-US" sz="2000" dirty="0">
                 <a:latin typeface="標楷體" panose="03000509000000000000" pitchFamily="65" charset="-120"/>
                 <a:ea typeface="標楷體" panose="03000509000000000000" pitchFamily="65" charset="-120"/>
               </a:rPr>
               <a:t>雷達回波圖</a:t>
             </a:r>
             <a:r>
-              <a:rPr lang="en-US" altLang="zh-TW" dirty="0">
+              <a:rPr lang="en-US" altLang="zh-TW" sz="2000" dirty="0">
                 <a:latin typeface="標楷體" panose="03000509000000000000" pitchFamily="65" charset="-120"/>
                 <a:ea typeface="標楷體" panose="03000509000000000000" pitchFamily="65" charset="-120"/>
               </a:rPr>
               <a:t>]</a:t>
             </a:r>
             <a:r>
-              <a:rPr lang="zh-TW" altLang="en-US" dirty="0">
+              <a:rPr lang="zh-TW" altLang="en-US" sz="2000" dirty="0">
                 <a:latin typeface="標楷體" panose="03000509000000000000" pitchFamily="65" charset="-120"/>
                 <a:ea typeface="標楷體" panose="03000509000000000000" pitchFamily="65" charset="-120"/>
               </a:rPr>
@@ -7205,71 +7457,73 @@
         <p:spPr>
           <a:xfrm>
             <a:off x="838200" y="1825625"/>
-            <a:ext cx="5552768" cy="4351338"/>
+            <a:ext cx="5710084" cy="4351338"/>
           </a:xfrm>
         </p:spPr>
         <p:txBody>
-          <a:bodyPr/>
-          <a:lstStyle/>
-          <a:p>
-            <a:r>
-              <a:rPr lang="zh-TW" altLang="en-US" dirty="0">
+          <a:bodyPr>
+            <a:normAutofit/>
+          </a:bodyPr>
+          <a:lstStyle/>
+          <a:p>
+            <a:r>
+              <a:rPr lang="zh-TW" altLang="en-US" sz="2000" dirty="0">
                 <a:latin typeface="標楷體" panose="03000509000000000000" pitchFamily="65" charset="-120"/>
                 <a:ea typeface="標楷體" panose="03000509000000000000" pitchFamily="65" charset="-120"/>
               </a:rPr>
               <a:t>手機觸控點擊</a:t>
             </a:r>
             <a:r>
-              <a:rPr lang="en-US" altLang="zh-TW" dirty="0">
+              <a:rPr lang="en-US" altLang="zh-TW" sz="2000" dirty="0">
                 <a:latin typeface="標楷體" panose="03000509000000000000" pitchFamily="65" charset="-120"/>
                 <a:ea typeface="標楷體" panose="03000509000000000000" pitchFamily="65" charset="-120"/>
               </a:rPr>
               <a:t>[</a:t>
             </a:r>
             <a:r>
-              <a:rPr lang="zh-TW" altLang="en-US" dirty="0">
+              <a:rPr lang="zh-TW" altLang="en-US" sz="2000" dirty="0">
                 <a:latin typeface="標楷體" panose="03000509000000000000" pitchFamily="65" charset="-120"/>
                 <a:ea typeface="標楷體" panose="03000509000000000000" pitchFamily="65" charset="-120"/>
               </a:rPr>
               <a:t>天氣</a:t>
             </a:r>
             <a:r>
-              <a:rPr lang="en-US" altLang="zh-TW" dirty="0">
+              <a:rPr lang="en-US" altLang="zh-TW" sz="2000" dirty="0">
                 <a:latin typeface="標楷體" panose="03000509000000000000" pitchFamily="65" charset="-120"/>
                 <a:ea typeface="標楷體" panose="03000509000000000000" pitchFamily="65" charset="-120"/>
               </a:rPr>
               <a:t>+</a:t>
             </a:r>
             <a:r>
-              <a:rPr lang="zh-TW" altLang="en-US" dirty="0">
+              <a:rPr lang="zh-TW" altLang="en-US" sz="2000" dirty="0">
                 <a:latin typeface="標楷體" panose="03000509000000000000" pitchFamily="65" charset="-120"/>
                 <a:ea typeface="標楷體" panose="03000509000000000000" pitchFamily="65" charset="-120"/>
               </a:rPr>
               <a:t>預報</a:t>
             </a:r>
             <a:r>
-              <a:rPr lang="en-US" altLang="zh-TW" dirty="0">
+              <a:rPr lang="en-US" altLang="zh-TW" sz="2000" dirty="0">
                 <a:latin typeface="標楷體" panose="03000509000000000000" pitchFamily="65" charset="-120"/>
                 <a:ea typeface="標楷體" panose="03000509000000000000" pitchFamily="65" charset="-120"/>
               </a:rPr>
               <a:t>+</a:t>
             </a:r>
             <a:r>
-              <a:rPr lang="zh-TW" altLang="en-US" dirty="0">
+              <a:rPr lang="zh-TW" altLang="en-US" sz="2000" dirty="0">
                 <a:latin typeface="標楷體" panose="03000509000000000000" pitchFamily="65" charset="-120"/>
                 <a:ea typeface="標楷體" panose="03000509000000000000" pitchFamily="65" charset="-120"/>
               </a:rPr>
               <a:t>空氣</a:t>
             </a:r>
             <a:r>
-              <a:rPr lang="en-US" altLang="zh-TW" dirty="0">
+              <a:rPr lang="en-US" altLang="zh-TW" sz="2000" dirty="0">
                 <a:latin typeface="標楷體" panose="03000509000000000000" pitchFamily="65" charset="-120"/>
                 <a:ea typeface="標楷體" panose="03000509000000000000" pitchFamily="65" charset="-120"/>
               </a:rPr>
               <a:t>]</a:t>
             </a:r>
             <a:r>
-              <a:rPr lang="zh-TW" altLang="en-US" dirty="0">
+              <a:rPr lang="zh-TW" altLang="en-US" sz="2000" dirty="0">
                 <a:latin typeface="標楷體" panose="03000509000000000000" pitchFamily="65" charset="-120"/>
                 <a:ea typeface="標楷體" panose="03000509000000000000" pitchFamily="65" charset="-120"/>
               </a:rPr>
